--- a/Deep Learning Presentation.pptx
+++ b/Deep Learning Presentation.pptx
@@ -5,7 +5,7 @@
     <p:sldMasterId id="2147483758" r:id="rId1"/>
   </p:sldMasterIdLst>
   <p:notesMasterIdLst>
-    <p:notesMasterId r:id="rId11"/>
+    <p:notesMasterId r:id="rId14"/>
   </p:notesMasterIdLst>
   <p:sldIdLst>
     <p:sldId id="256" r:id="rId2"/>
@@ -16,7 +16,10 @@
     <p:sldId id="259" r:id="rId7"/>
     <p:sldId id="269" r:id="rId8"/>
     <p:sldId id="270" r:id="rId9"/>
-    <p:sldId id="271" r:id="rId10"/>
+    <p:sldId id="274" r:id="rId10"/>
+    <p:sldId id="271" r:id="rId11"/>
+    <p:sldId id="275" r:id="rId12"/>
+    <p:sldId id="276" r:id="rId13"/>
   </p:sldIdLst>
   <p:sldSz cx="12192000" cy="6858000"/>
   <p:notesSz cx="6858000" cy="9144000"/>
@@ -4390,6 +4393,33 @@
         </inkml:channelProperties>
       </inkml:inkSource>
       <inkml:timestamp xml:id="ts0" timeString="2020-09-21T21:29:10.219"/>
+    </inkml:context>
+    <inkml:brush xml:id="br0">
+      <inkml:brushProperty name="width" value="0.05" units="cm"/>
+      <inkml:brushProperty name="height" value="0.05" units="cm"/>
+    </inkml:brush>
+  </inkml:definitions>
+  <inkml:trace contextRef="#ctx0" brushRef="#br0">1 0 32</inkml:trace>
+</inkml:ink>
+</file>
+
+<file path=ppt/ink/ink2.xml><?xml version="1.0" encoding="utf-8"?>
+<inkml:ink xmlns:inkml="http://www.w3.org/2003/InkML">
+  <inkml:definitions>
+    <inkml:context xml:id="ctx0">
+      <inkml:inkSource xml:id="inkSrc0">
+        <inkml:traceFormat>
+          <inkml:channel name="X" type="integer" min="-2.14748E9" max="2.14748E9" units="cm"/>
+          <inkml:channel name="Y" type="integer" min="-2.14748E9" max="2.14748E9" units="cm"/>
+          <inkml:channel name="F" type="integer" max="32767" units="dev"/>
+        </inkml:traceFormat>
+        <inkml:channelProperties>
+          <inkml:channelProperty channel="X" name="resolution" value="1000" units="1/cm"/>
+          <inkml:channelProperty channel="Y" name="resolution" value="1000" units="1/cm"/>
+          <inkml:channelProperty channel="F" name="resolution" value="0" units="1/dev"/>
+        </inkml:channelProperties>
+      </inkml:inkSource>
+      <inkml:timestamp xml:id="ts0" timeString="2022-03-23T12:24:49.491"/>
     </inkml:context>
     <inkml:brush xml:id="br0">
       <inkml:brushProperty name="width" value="0.05" units="cm"/>
@@ -9493,6 +9523,1134 @@
 </p:sld>
 </file>
 
+<file path=ppt/slides/slide10.xml><?xml version="1.0" encoding="utf-8"?>
+<p:sld xmlns:a="http://schemas.openxmlformats.org/drawingml/2006/main" xmlns:r="http://schemas.openxmlformats.org/officeDocument/2006/relationships" xmlns:p="http://schemas.openxmlformats.org/presentationml/2006/main">
+  <p:cSld>
+    <p:spTree>
+      <p:nvGrpSpPr>
+        <p:cNvPr id="1" name=""/>
+        <p:cNvGrpSpPr/>
+        <p:nvPr/>
+      </p:nvGrpSpPr>
+      <p:grpSpPr>
+        <a:xfrm>
+          <a:off x="0" y="0"/>
+          <a:ext cx="0" cy="0"/>
+          <a:chOff x="0" y="0"/>
+          <a:chExt cx="0" cy="0"/>
+        </a:xfrm>
+      </p:grpSpPr>
+      <p:sp>
+        <p:nvSpPr>
+          <p:cNvPr id="2" name="Title 1">
+            <a:extLst>
+              <a:ext uri="{FF2B5EF4-FFF2-40B4-BE49-F238E27FC236}">
+                <a16:creationId xmlns:a16="http://schemas.microsoft.com/office/drawing/2014/main" id="{DA6F9D42-8291-3E49-A3E2-731D5CE598DB}"/>
+              </a:ext>
+            </a:extLst>
+          </p:cNvPr>
+          <p:cNvSpPr>
+            <a:spLocks noGrp="1"/>
+          </p:cNvSpPr>
+          <p:nvPr>
+            <p:ph type="title"/>
+          </p:nvPr>
+        </p:nvSpPr>
+        <p:spPr/>
+        <p:txBody>
+          <a:bodyPr/>
+          <a:lstStyle/>
+          <a:p>
+            <a:r>
+              <a:rPr lang="en-US" dirty="0"/>
+              <a:t>Model Accuracy</a:t>
+            </a:r>
+          </a:p>
+        </p:txBody>
+      </p:sp>
+      <p:pic>
+        <p:nvPicPr>
+          <p:cNvPr id="5" name="Content Placeholder 4" descr="A screenshot of a computer&#10;&#10;Description automatically generated with low confidence">
+            <a:extLst>
+              <a:ext uri="{FF2B5EF4-FFF2-40B4-BE49-F238E27FC236}">
+                <a16:creationId xmlns:a16="http://schemas.microsoft.com/office/drawing/2014/main" id="{66A69900-EA9E-DF41-AF81-DE62183098CE}"/>
+              </a:ext>
+            </a:extLst>
+          </p:cNvPr>
+          <p:cNvPicPr>
+            <a:picLocks noGrp="1" noChangeAspect="1"/>
+          </p:cNvPicPr>
+          <p:nvPr>
+            <p:ph idx="1"/>
+          </p:nvPr>
+        </p:nvPicPr>
+        <p:blipFill>
+          <a:blip r:embed="rId2"/>
+          <a:stretch>
+            <a:fillRect/>
+          </a:stretch>
+        </p:blipFill>
+        <p:spPr>
+          <a:xfrm>
+            <a:off x="1050925" y="2258431"/>
+            <a:ext cx="9810750" cy="3563512"/>
+          </a:xfrm>
+        </p:spPr>
+      </p:pic>
+    </p:spTree>
+    <p:extLst>
+      <p:ext uri="{BB962C8B-B14F-4D97-AF65-F5344CB8AC3E}">
+        <p14:creationId xmlns:p14="http://schemas.microsoft.com/office/powerpoint/2010/main" val="3218059773"/>
+      </p:ext>
+    </p:extLst>
+  </p:cSld>
+  <p:clrMapOvr>
+    <a:masterClrMapping/>
+  </p:clrMapOvr>
+</p:sld>
+</file>
+
+<file path=ppt/slides/slide11.xml><?xml version="1.0" encoding="utf-8"?>
+<p:sld xmlns:a="http://schemas.openxmlformats.org/drawingml/2006/main" xmlns:r="http://schemas.openxmlformats.org/officeDocument/2006/relationships" xmlns:p="http://schemas.openxmlformats.org/presentationml/2006/main">
+  <p:cSld>
+    <p:bg>
+      <p:bgPr>
+        <a:solidFill>
+          <a:schemeClr val="bg1"/>
+        </a:solidFill>
+        <a:effectLst/>
+      </p:bgPr>
+    </p:bg>
+    <p:spTree>
+      <p:nvGrpSpPr>
+        <p:cNvPr id="1" name=""/>
+        <p:cNvGrpSpPr/>
+        <p:nvPr/>
+      </p:nvGrpSpPr>
+      <p:grpSpPr>
+        <a:xfrm>
+          <a:off x="0" y="0"/>
+          <a:ext cx="0" cy="0"/>
+          <a:chOff x="0" y="0"/>
+          <a:chExt cx="0" cy="0"/>
+        </a:xfrm>
+      </p:grpSpPr>
+      <p:sp useBgFill="1">
+        <p:nvSpPr>
+          <p:cNvPr id="12" name="Rectangle 8">
+            <a:extLst>
+              <a:ext uri="{FF2B5EF4-FFF2-40B4-BE49-F238E27FC236}">
+                <a16:creationId xmlns:a16="http://schemas.microsoft.com/office/drawing/2014/main" id="{23E547B5-89CF-4EC0-96DE-25771AED0799}"/>
+              </a:ext>
+              <a:ext uri="{C183D7F6-B498-43B3-948B-1728B52AA6E4}">
+                <adec:decorative xmlns:adec="http://schemas.microsoft.com/office/drawing/2017/decorative" val="1"/>
+              </a:ext>
+            </a:extLst>
+          </p:cNvPr>
+          <p:cNvSpPr>
+            <a:spLocks noGrp="1" noRot="1" noChangeAspect="1" noMove="1" noResize="1" noEditPoints="1" noAdjustHandles="1" noChangeArrowheads="1" noChangeShapeType="1" noTextEdit="1"/>
+          </p:cNvSpPr>
+          <p:nvPr>
+            <p:extLst>
+              <p:ext uri="{386F3935-93C4-4BCD-93E2-E3B085C9AB24}">
+                <p16:designElem xmlns:p16="http://schemas.microsoft.com/office/powerpoint/2015/main" val="1"/>
+              </p:ext>
+            </p:extLst>
+          </p:nvPr>
+        </p:nvSpPr>
+        <p:spPr>
+          <a:xfrm>
+            <a:off x="0" y="0"/>
+            <a:ext cx="12192000" cy="6858000"/>
+          </a:xfrm>
+          <a:prstGeom prst="rect">
+            <a:avLst/>
+          </a:prstGeom>
+          <a:ln w="12700" cap="flat" cmpd="sng" algn="ctr">
+            <a:noFill/>
+            <a:prstDash val="solid"/>
+            <a:miter lim="800000"/>
+          </a:ln>
+          <a:effectLst/>
+          <a:extLst>
+            <a:ext uri="{91240B29-F687-4F45-9708-019B960494DF}">
+              <a14:hiddenLine xmlns:a14="http://schemas.microsoft.com/office/drawing/2010/main" w="12700" cap="flat" cmpd="sng" algn="ctr">
+                <a:solidFill>
+                  <a:schemeClr val="accent1">
+                    <a:shade val="50000"/>
+                  </a:schemeClr>
+                </a:solidFill>
+                <a:prstDash val="solid"/>
+                <a:miter lim="800000"/>
+              </a14:hiddenLine>
+            </a:ext>
+          </a:extLst>
+        </p:spPr>
+        <p:style>
+          <a:lnRef idx="2">
+            <a:schemeClr val="accent1">
+              <a:shade val="50000"/>
+            </a:schemeClr>
+          </a:lnRef>
+          <a:fillRef idx="1">
+            <a:schemeClr val="accent1"/>
+          </a:fillRef>
+          <a:effectRef idx="0">
+            <a:schemeClr val="accent1"/>
+          </a:effectRef>
+          <a:fontRef idx="minor">
+            <a:schemeClr val="lt1"/>
+          </a:fontRef>
+        </p:style>
+        <p:txBody>
+          <a:bodyPr rtlCol="0" anchor="ctr"/>
+          <a:lstStyle/>
+          <a:p>
+            <a:pPr algn="ctr"/>
+            <a:endParaRPr lang="en-US"/>
+          </a:p>
+        </p:txBody>
+      </p:sp>
+      <p:sp>
+        <p:nvSpPr>
+          <p:cNvPr id="11" name="Rectangle 10">
+            <a:extLst>
+              <a:ext uri="{FF2B5EF4-FFF2-40B4-BE49-F238E27FC236}">
+                <a16:creationId xmlns:a16="http://schemas.microsoft.com/office/drawing/2014/main" id="{B3437C99-FC8E-4311-B48A-F0C4C329B154}"/>
+              </a:ext>
+              <a:ext uri="{C183D7F6-B498-43B3-948B-1728B52AA6E4}">
+                <adec:decorative xmlns:adec="http://schemas.microsoft.com/office/drawing/2017/decorative" val="1"/>
+              </a:ext>
+            </a:extLst>
+          </p:cNvPr>
+          <p:cNvSpPr>
+            <a:spLocks noGrp="1" noRot="1" noChangeAspect="1" noMove="1" noResize="1" noEditPoints="1" noAdjustHandles="1" noChangeArrowheads="1" noChangeShapeType="1" noTextEdit="1"/>
+          </p:cNvSpPr>
+          <p:nvPr>
+            <p:extLst>
+              <p:ext uri="{386F3935-93C4-4BCD-93E2-E3B085C9AB24}">
+                <p16:designElem xmlns:p16="http://schemas.microsoft.com/office/powerpoint/2015/main" val="1"/>
+              </p:ext>
+            </p:extLst>
+          </p:nvPr>
+        </p:nvSpPr>
+        <p:spPr>
+          <a:xfrm>
+            <a:off x="0" y="0"/>
+            <a:ext cx="6940161" cy="6857999"/>
+          </a:xfrm>
+          <a:prstGeom prst="rect">
+            <a:avLst/>
+          </a:prstGeom>
+          <a:solidFill>
+            <a:srgbClr val="82766A">
+              <a:alpha val="15000"/>
+            </a:srgbClr>
+          </a:solidFill>
+          <a:ln>
+            <a:noFill/>
+          </a:ln>
+        </p:spPr>
+        <p:style>
+          <a:lnRef idx="2">
+            <a:schemeClr val="accent1">
+              <a:shade val="50000"/>
+            </a:schemeClr>
+          </a:lnRef>
+          <a:fillRef idx="1">
+            <a:schemeClr val="accent1"/>
+          </a:fillRef>
+          <a:effectRef idx="0">
+            <a:schemeClr val="accent1"/>
+          </a:effectRef>
+          <a:fontRef idx="minor">
+            <a:schemeClr val="lt1"/>
+          </a:fontRef>
+        </p:style>
+        <p:txBody>
+          <a:bodyPr rtlCol="0" anchor="ctr"/>
+          <a:lstStyle/>
+          <a:p>
+            <a:pPr algn="ctr"/>
+            <a:endParaRPr lang="en-US"/>
+          </a:p>
+        </p:txBody>
+      </p:sp>
+      <p:sp>
+        <p:nvSpPr>
+          <p:cNvPr id="2" name="Title 1">
+            <a:extLst>
+              <a:ext uri="{FF2B5EF4-FFF2-40B4-BE49-F238E27FC236}">
+                <a16:creationId xmlns:a16="http://schemas.microsoft.com/office/drawing/2014/main" id="{95D50750-2948-9D48-B747-DFA22C0B22BF}"/>
+              </a:ext>
+            </a:extLst>
+          </p:cNvPr>
+          <p:cNvSpPr>
+            <a:spLocks noGrp="1"/>
+          </p:cNvSpPr>
+          <p:nvPr>
+            <p:ph type="title"/>
+          </p:nvPr>
+        </p:nvSpPr>
+        <p:spPr>
+          <a:xfrm>
+            <a:off x="1050879" y="609601"/>
+            <a:ext cx="4476464" cy="1216024"/>
+          </a:xfrm>
+        </p:spPr>
+        <p:txBody>
+          <a:bodyPr>
+            <a:normAutofit/>
+          </a:bodyPr>
+          <a:lstStyle/>
+          <a:p>
+            <a:r>
+              <a:rPr lang="en-US" dirty="0"/>
+              <a:t>Future work</a:t>
+            </a:r>
+          </a:p>
+        </p:txBody>
+      </p:sp>
+      <p:sp>
+        <p:nvSpPr>
+          <p:cNvPr id="13" name="Content Placeholder 2">
+            <a:extLst>
+              <a:ext uri="{FF2B5EF4-FFF2-40B4-BE49-F238E27FC236}">
+                <a16:creationId xmlns:a16="http://schemas.microsoft.com/office/drawing/2014/main" id="{32CF9894-F3C9-7844-AA07-8F277E5C5116}"/>
+              </a:ext>
+            </a:extLst>
+          </p:cNvPr>
+          <p:cNvSpPr>
+            <a:spLocks noGrp="1"/>
+          </p:cNvSpPr>
+          <p:nvPr>
+            <p:ph idx="1"/>
+          </p:nvPr>
+        </p:nvSpPr>
+        <p:spPr>
+          <a:xfrm>
+            <a:off x="1050879" y="2163685"/>
+            <a:ext cx="3875963" cy="4107020"/>
+          </a:xfrm>
+        </p:spPr>
+        <p:txBody>
+          <a:bodyPr>
+            <a:normAutofit/>
+          </a:bodyPr>
+          <a:lstStyle/>
+          <a:p>
+            <a:r>
+              <a:rPr lang="en-US" dirty="0"/>
+              <a:t>Additional image augmentation</a:t>
+            </a:r>
+          </a:p>
+          <a:p>
+            <a:r>
+              <a:rPr lang="en-US" dirty="0"/>
+              <a:t>Exploring different Neural Network Architectures </a:t>
+            </a:r>
+          </a:p>
+          <a:p>
+            <a:r>
+              <a:rPr lang="en-US"/>
+              <a:t>Explore cloud based platform for more efficient training</a:t>
+            </a:r>
+          </a:p>
+          <a:p>
+            <a:endParaRPr lang="en-US" dirty="0"/>
+          </a:p>
+        </p:txBody>
+      </p:sp>
+      <p:pic>
+        <p:nvPicPr>
+          <p:cNvPr id="14" name="Picture 4" descr="Spiral and curve design of a roof">
+            <a:extLst>
+              <a:ext uri="{FF2B5EF4-FFF2-40B4-BE49-F238E27FC236}">
+                <a16:creationId xmlns:a16="http://schemas.microsoft.com/office/drawing/2014/main" id="{87887D09-D6A8-0605-862D-45A7102030FB}"/>
+              </a:ext>
+            </a:extLst>
+          </p:cNvPr>
+          <p:cNvPicPr>
+            <a:picLocks noChangeAspect="1"/>
+          </p:cNvPicPr>
+          <p:nvPr/>
+        </p:nvPicPr>
+        <p:blipFill rotWithShape="1">
+          <a:blip r:embed="rId2"/>
+          <a:srcRect l="4518" r="28039"/>
+          <a:stretch/>
+        </p:blipFill>
+        <p:spPr>
+          <a:xfrm>
+            <a:off x="5251840" y="10"/>
+            <a:ext cx="6940161" cy="6868876"/>
+          </a:xfrm>
+          <a:custGeom>
+            <a:avLst/>
+            <a:gdLst/>
+            <a:ahLst/>
+            <a:cxnLst/>
+            <a:rect l="l" t="t" r="r" b="b"/>
+            <a:pathLst>
+              <a:path w="6940161" h="6857999">
+                <a:moveTo>
+                  <a:pt x="857190" y="0"/>
+                </a:moveTo>
+                <a:lnTo>
+                  <a:pt x="6940161" y="0"/>
+                </a:lnTo>
+                <a:lnTo>
+                  <a:pt x="6940161" y="6857999"/>
+                </a:lnTo>
+                <a:lnTo>
+                  <a:pt x="496459" y="6857999"/>
+                </a:lnTo>
+                <a:lnTo>
+                  <a:pt x="486507" y="6839466"/>
+                </a:lnTo>
+                <a:cubicBezTo>
+                  <a:pt x="477389" y="6820641"/>
+                  <a:pt x="471173" y="6801859"/>
+                  <a:pt x="480078" y="6795812"/>
+                </a:cubicBezTo>
+                <a:cubicBezTo>
+                  <a:pt x="475408" y="6761382"/>
+                  <a:pt x="493736" y="6723009"/>
+                  <a:pt x="482330" y="6676796"/>
+                </a:cubicBezTo>
+                <a:cubicBezTo>
+                  <a:pt x="479519" y="6617030"/>
+                  <a:pt x="476161" y="6634511"/>
+                  <a:pt x="469648" y="6539722"/>
+                </a:cubicBezTo>
+                <a:cubicBezTo>
+                  <a:pt x="459969" y="6498384"/>
+                  <a:pt x="496382" y="6456575"/>
+                  <a:pt x="477855" y="6433501"/>
+                </a:cubicBezTo>
+                <a:cubicBezTo>
+                  <a:pt x="464018" y="6378655"/>
+                  <a:pt x="442310" y="6325849"/>
+                  <a:pt x="414008" y="6271586"/>
+                </a:cubicBezTo>
+                <a:cubicBezTo>
+                  <a:pt x="378091" y="6226697"/>
+                  <a:pt x="377466" y="6140798"/>
+                  <a:pt x="299660" y="6080454"/>
+                </a:cubicBezTo>
+                <a:cubicBezTo>
+                  <a:pt x="268606" y="6014324"/>
+                  <a:pt x="244498" y="5964143"/>
+                  <a:pt x="221239" y="5913249"/>
+                </a:cubicBezTo>
+                <a:cubicBezTo>
+                  <a:pt x="210139" y="5897439"/>
+                  <a:pt x="175369" y="5809427"/>
+                  <a:pt x="160103" y="5775094"/>
+                </a:cubicBezTo>
+                <a:cubicBezTo>
+                  <a:pt x="87298" y="5686529"/>
+                  <a:pt x="103897" y="5672717"/>
+                  <a:pt x="87873" y="5573809"/>
+                </a:cubicBezTo>
+                <a:cubicBezTo>
+                  <a:pt x="76224" y="5541231"/>
+                  <a:pt x="76748" y="5525076"/>
+                  <a:pt x="57933" y="5490695"/>
+                </a:cubicBezTo>
+                <a:lnTo>
+                  <a:pt x="30889" y="5398377"/>
+                </a:lnTo>
+                <a:lnTo>
+                  <a:pt x="34140" y="5390971"/>
+                </a:lnTo>
+                <a:lnTo>
+                  <a:pt x="35928" y="5390229"/>
+                </a:lnTo>
+                <a:lnTo>
+                  <a:pt x="16968" y="5309266"/>
+                </a:lnTo>
+                <a:cubicBezTo>
+                  <a:pt x="13970" y="5303642"/>
+                  <a:pt x="-917" y="5289094"/>
+                  <a:pt x="2490" y="5276920"/>
+                </a:cubicBezTo>
+                <a:lnTo>
+                  <a:pt x="24907" y="5208159"/>
+                </a:lnTo>
+                <a:lnTo>
+                  <a:pt x="31839" y="5162682"/>
+                </a:lnTo>
+                <a:cubicBezTo>
+                  <a:pt x="28501" y="5155528"/>
+                  <a:pt x="24609" y="5048935"/>
+                  <a:pt x="18796" y="5043371"/>
+                </a:cubicBezTo>
+                <a:cubicBezTo>
+                  <a:pt x="54584" y="4976689"/>
+                  <a:pt x="5001" y="4985095"/>
+                  <a:pt x="14358" y="4908985"/>
+                </a:cubicBezTo>
+                <a:cubicBezTo>
+                  <a:pt x="17201" y="4816358"/>
+                  <a:pt x="5675" y="4749418"/>
+                  <a:pt x="4769" y="4643799"/>
+                </a:cubicBezTo>
+                <a:cubicBezTo>
+                  <a:pt x="4111" y="4581455"/>
+                  <a:pt x="-7137" y="4509050"/>
+                  <a:pt x="7402" y="4395547"/>
+                </a:cubicBezTo>
+                <a:cubicBezTo>
+                  <a:pt x="11591" y="4330720"/>
+                  <a:pt x="28535" y="4313913"/>
+                  <a:pt x="23462" y="4274064"/>
+                </a:cubicBezTo>
+                <a:cubicBezTo>
+                  <a:pt x="22995" y="4245538"/>
+                  <a:pt x="22530" y="4217012"/>
+                  <a:pt x="22063" y="4188486"/>
+                </a:cubicBezTo>
+                <a:lnTo>
+                  <a:pt x="24672" y="4170100"/>
+                </a:lnTo>
+                <a:lnTo>
+                  <a:pt x="34973" y="4166123"/>
+                </a:lnTo>
+                <a:lnTo>
+                  <a:pt x="26424" y="4120096"/>
+                </a:lnTo>
+                <a:cubicBezTo>
+                  <a:pt x="28986" y="4109871"/>
+                  <a:pt x="49338" y="4079429"/>
+                  <a:pt x="47886" y="4066698"/>
+                </a:cubicBezTo>
+                <a:cubicBezTo>
+                  <a:pt x="26522" y="4022850"/>
+                  <a:pt x="34453" y="4030338"/>
+                  <a:pt x="47327" y="3969172"/>
+                </a:cubicBezTo>
+                <a:cubicBezTo>
+                  <a:pt x="40297" y="3948973"/>
+                  <a:pt x="40044" y="3857354"/>
+                  <a:pt x="53093" y="3844350"/>
+                </a:cubicBezTo>
+                <a:cubicBezTo>
+                  <a:pt x="55739" y="3830819"/>
+                  <a:pt x="50778" y="3815585"/>
+                  <a:pt x="64866" y="3808459"/>
+                </a:cubicBezTo>
+                <a:cubicBezTo>
+                  <a:pt x="81775" y="3797121"/>
+                  <a:pt x="54599" y="3752382"/>
+                  <a:pt x="74864" y="3757643"/>
+                </a:cubicBezTo>
+                <a:cubicBezTo>
+                  <a:pt x="56224" y="3725828"/>
+                  <a:pt x="74270" y="3660981"/>
+                  <a:pt x="82640" y="3632606"/>
+                </a:cubicBezTo>
+                <a:cubicBezTo>
+                  <a:pt x="85981" y="3582255"/>
+                  <a:pt x="88778" y="3571708"/>
+                  <a:pt x="89222" y="3534990"/>
+                </a:cubicBezTo>
+                <a:cubicBezTo>
+                  <a:pt x="92019" y="3533125"/>
+                  <a:pt x="80706" y="3481126"/>
+                  <a:pt x="79835" y="3454133"/>
+                </a:cubicBezTo>
+                <a:cubicBezTo>
+                  <a:pt x="78963" y="3427139"/>
+                  <a:pt x="96173" y="3390611"/>
+                  <a:pt x="83991" y="3373027"/>
+                </a:cubicBezTo>
+                <a:cubicBezTo>
+                  <a:pt x="80767" y="3298527"/>
+                  <a:pt x="69808" y="3290617"/>
+                  <a:pt x="62958" y="3222737"/>
+                </a:cubicBezTo>
+                <a:cubicBezTo>
+                  <a:pt x="59618" y="3146284"/>
+                  <a:pt x="39695" y="3184007"/>
+                  <a:pt x="49209" y="3118188"/>
+                </a:cubicBezTo>
+                <a:cubicBezTo>
+                  <a:pt x="65221" y="3109217"/>
+                  <a:pt x="85573" y="3024732"/>
+                  <a:pt x="78480" y="3003808"/>
+                </a:cubicBezTo>
+                <a:cubicBezTo>
+                  <a:pt x="78037" y="2966753"/>
+                  <a:pt x="77812" y="2989870"/>
+                  <a:pt x="77566" y="2944921"/>
+                </a:cubicBezTo>
+                <a:lnTo>
+                  <a:pt x="94406" y="2877744"/>
+                </a:lnTo>
+                <a:cubicBezTo>
+                  <a:pt x="87936" y="2880724"/>
+                  <a:pt x="108480" y="2822146"/>
+                  <a:pt x="108051" y="2807161"/>
+                </a:cubicBezTo>
+                <a:cubicBezTo>
+                  <a:pt x="110507" y="2775643"/>
+                  <a:pt x="80880" y="2769288"/>
+                  <a:pt x="107377" y="2752347"/>
+                </a:cubicBezTo>
+                <a:lnTo>
+                  <a:pt x="114975" y="2748299"/>
+                </a:lnTo>
+                <a:cubicBezTo>
+                  <a:pt x="115205" y="2745962"/>
+                  <a:pt x="115434" y="2743625"/>
+                  <a:pt x="115663" y="2741288"/>
+                </a:cubicBezTo>
+                <a:cubicBezTo>
+                  <a:pt x="115098" y="2737657"/>
+                  <a:pt x="112995" y="2735847"/>
+                  <a:pt x="107929" y="2737160"/>
+                </a:cubicBezTo>
+                <a:cubicBezTo>
+                  <a:pt x="126569" y="2705347"/>
+                  <a:pt x="119693" y="2699356"/>
+                  <a:pt x="122707" y="2659631"/>
+                </a:cubicBezTo>
+                <a:cubicBezTo>
+                  <a:pt x="135394" y="2612127"/>
+                  <a:pt x="120483" y="2628594"/>
+                  <a:pt x="145471" y="2573336"/>
+                </a:cubicBezTo>
+                <a:cubicBezTo>
+                  <a:pt x="156086" y="2559732"/>
+                  <a:pt x="170382" y="2541339"/>
+                  <a:pt x="170626" y="2528057"/>
+                </a:cubicBezTo>
+                <a:lnTo>
+                  <a:pt x="202713" y="2489594"/>
+                </a:lnTo>
+                <a:cubicBezTo>
+                  <a:pt x="203853" y="2487774"/>
+                  <a:pt x="204248" y="2473350"/>
+                  <a:pt x="203650" y="2468303"/>
+                </a:cubicBezTo>
+                <a:lnTo>
+                  <a:pt x="223316" y="2460480"/>
+                </a:lnTo>
+                <a:lnTo>
+                  <a:pt x="215120" y="2423535"/>
+                </a:lnTo>
+                <a:lnTo>
+                  <a:pt x="223455" y="2404394"/>
+                </a:lnTo>
+                <a:cubicBezTo>
+                  <a:pt x="243490" y="2392610"/>
+                  <a:pt x="229596" y="2347474"/>
+                  <a:pt x="238853" y="2324643"/>
+                </a:cubicBezTo>
+                <a:cubicBezTo>
+                  <a:pt x="239504" y="2297698"/>
+                  <a:pt x="266477" y="2284202"/>
+                  <a:pt x="272463" y="2255535"/>
+                </a:cubicBezTo>
+                <a:cubicBezTo>
+                  <a:pt x="290597" y="2249648"/>
+                  <a:pt x="306594" y="2207828"/>
+                  <a:pt x="294092" y="2184679"/>
+                </a:cubicBezTo>
+                <a:lnTo>
+                  <a:pt x="323221" y="2093132"/>
+                </a:lnTo>
+                <a:cubicBezTo>
+                  <a:pt x="348282" y="2084587"/>
+                  <a:pt x="366071" y="1985868"/>
+                  <a:pt x="377324" y="1950235"/>
+                </a:cubicBezTo>
+                <a:cubicBezTo>
+                  <a:pt x="397581" y="1920183"/>
+                  <a:pt x="445208" y="1898905"/>
+                  <a:pt x="457649" y="1861568"/>
+                </a:cubicBezTo>
+                <a:cubicBezTo>
+                  <a:pt x="464664" y="1810687"/>
+                  <a:pt x="447457" y="1869507"/>
+                  <a:pt x="451972" y="1809499"/>
+                </a:cubicBezTo>
+                <a:cubicBezTo>
+                  <a:pt x="450982" y="1754297"/>
+                  <a:pt x="465413" y="1767680"/>
+                  <a:pt x="474550" y="1693716"/>
+                </a:cubicBezTo>
+                <a:cubicBezTo>
+                  <a:pt x="473258" y="1654244"/>
+                  <a:pt x="481626" y="1627007"/>
+                  <a:pt x="481301" y="1605195"/>
+                </a:cubicBezTo>
+                <a:cubicBezTo>
+                  <a:pt x="490491" y="1568952"/>
+                  <a:pt x="493569" y="1564518"/>
+                  <a:pt x="497837" y="1516217"/>
+                </a:cubicBezTo>
+                <a:cubicBezTo>
+                  <a:pt x="503639" y="1488452"/>
+                  <a:pt x="534082" y="1457870"/>
+                  <a:pt x="513281" y="1429841"/>
+                </a:cubicBezTo>
+                <a:cubicBezTo>
+                  <a:pt x="527326" y="1412325"/>
+                  <a:pt x="570430" y="1413592"/>
+                  <a:pt x="550104" y="1380081"/>
+                </a:cubicBezTo>
+                <a:cubicBezTo>
+                  <a:pt x="575583" y="1394128"/>
+                  <a:pt x="551452" y="1335176"/>
+                  <a:pt x="574526" y="1334891"/>
+                </a:cubicBezTo>
+                <a:cubicBezTo>
+                  <a:pt x="593486" y="1336427"/>
+                  <a:pt x="633157" y="1194568"/>
+                  <a:pt x="638123" y="1185551"/>
+                </a:cubicBezTo>
+                <a:cubicBezTo>
+                  <a:pt x="647468" y="1149210"/>
+                  <a:pt x="657504" y="1148087"/>
+                  <a:pt x="664747" y="1111168"/>
+                </a:cubicBezTo>
+                <a:cubicBezTo>
+                  <a:pt x="679107" y="1057226"/>
+                  <a:pt x="652121" y="1022543"/>
+                  <a:pt x="664913" y="993353"/>
+                </a:cubicBezTo>
+                <a:cubicBezTo>
+                  <a:pt x="684189" y="960214"/>
+                  <a:pt x="707497" y="867450"/>
+                  <a:pt x="721256" y="813953"/>
+                </a:cubicBezTo>
+                <a:cubicBezTo>
+                  <a:pt x="734607" y="746430"/>
+                  <a:pt x="738988" y="666470"/>
+                  <a:pt x="745023" y="588218"/>
+                </a:cubicBezTo>
+                <a:cubicBezTo>
+                  <a:pt x="735393" y="475380"/>
+                  <a:pt x="719076" y="536119"/>
+                  <a:pt x="725253" y="376479"/>
+                </a:cubicBezTo>
+                <a:lnTo>
+                  <a:pt x="735457" y="280992"/>
+                </a:lnTo>
+                <a:cubicBezTo>
+                  <a:pt x="735270" y="276227"/>
+                  <a:pt x="742007" y="223140"/>
+                  <a:pt x="741820" y="218374"/>
+                </a:cubicBezTo>
+                <a:lnTo>
+                  <a:pt x="735299" y="188178"/>
+                </a:lnTo>
+                <a:lnTo>
+                  <a:pt x="764938" y="152404"/>
+                </a:lnTo>
+                <a:cubicBezTo>
+                  <a:pt x="776066" y="136342"/>
+                  <a:pt x="783668" y="122048"/>
+                  <a:pt x="802071" y="91810"/>
+                </a:cubicBezTo>
+                <a:lnTo>
+                  <a:pt x="849585" y="3016"/>
+                </a:lnTo>
+                <a:close/>
+              </a:path>
+            </a:pathLst>
+          </a:custGeom>
+        </p:spPr>
+      </p:pic>
+    </p:spTree>
+    <p:extLst>
+      <p:ext uri="{BB962C8B-B14F-4D97-AF65-F5344CB8AC3E}">
+        <p14:creationId xmlns:p14="http://schemas.microsoft.com/office/powerpoint/2010/main" val="2508715663"/>
+      </p:ext>
+    </p:extLst>
+  </p:cSld>
+  <p:clrMapOvr>
+    <a:masterClrMapping/>
+  </p:clrMapOvr>
+</p:sld>
+</file>
+
+<file path=ppt/slides/slide12.xml><?xml version="1.0" encoding="utf-8"?>
+<p:sld xmlns:a="http://schemas.openxmlformats.org/drawingml/2006/main" xmlns:r="http://schemas.openxmlformats.org/officeDocument/2006/relationships" xmlns:p="http://schemas.openxmlformats.org/presentationml/2006/main">
+  <p:cSld>
+    <p:bg>
+      <p:bgPr>
+        <a:solidFill>
+          <a:schemeClr val="bg1"/>
+        </a:solidFill>
+        <a:effectLst/>
+      </p:bgPr>
+    </p:bg>
+    <p:spTree>
+      <p:nvGrpSpPr>
+        <p:cNvPr id="1" name=""/>
+        <p:cNvGrpSpPr/>
+        <p:nvPr/>
+      </p:nvGrpSpPr>
+      <p:grpSpPr>
+        <a:xfrm>
+          <a:off x="0" y="0"/>
+          <a:ext cx="0" cy="0"/>
+          <a:chOff x="0" y="0"/>
+          <a:chExt cx="0" cy="0"/>
+        </a:xfrm>
+      </p:grpSpPr>
+      <p:pic>
+        <p:nvPicPr>
+          <p:cNvPr id="9" name="Picture 8">
+            <a:extLst>
+              <a:ext uri="{FF2B5EF4-FFF2-40B4-BE49-F238E27FC236}">
+                <a16:creationId xmlns:a16="http://schemas.microsoft.com/office/drawing/2014/main" id="{DEB2E8C4-C3E7-4048-A43D-9859510CFA98}"/>
+              </a:ext>
+              <a:ext uri="{C183D7F6-B498-43B3-948B-1728B52AA6E4}">
+                <adec:decorative xmlns:adec="http://schemas.microsoft.com/office/drawing/2017/decorative" val="1"/>
+              </a:ext>
+            </a:extLst>
+          </p:cNvPr>
+          <p:cNvPicPr>
+            <a:picLocks noGrp="1" noRot="1" noChangeAspect="1" noMove="1" noResize="1" noEditPoints="1" noAdjustHandles="1" noChangeArrowheads="1" noChangeShapeType="1" noCrop="1"/>
+          </p:cNvPicPr>
+          <p:nvPr>
+            <p:extLst>
+              <p:ext uri="{386F3935-93C4-4BCD-93E2-E3B085C9AB24}">
+                <p16:designElem xmlns:p16="http://schemas.microsoft.com/office/powerpoint/2015/main" val="1"/>
+              </p:ext>
+            </p:extLst>
+          </p:nvPr>
+        </p:nvPicPr>
+        <p:blipFill>
+          <a:blip r:embed="rId2">
+            <a:extLst>
+              <a:ext uri="{28A0092B-C50C-407E-A947-70E740481C1C}">
+                <a14:useLocalDpi xmlns:a14="http://schemas.microsoft.com/office/drawing/2010/main" val="0"/>
+              </a:ext>
+            </a:extLst>
+          </a:blip>
+          <a:stretch>
+            <a:fillRect/>
+          </a:stretch>
+        </p:blipFill>
+        <p:spPr>
+          <a:xfrm>
+            <a:off x="10905744" y="0"/>
+            <a:ext cx="1286256" cy="6858000"/>
+          </a:xfrm>
+          <a:prstGeom prst="rect">
+            <a:avLst/>
+          </a:prstGeom>
+        </p:spPr>
+      </p:pic>
+      <mc:AlternateContent xmlns:mc="http://schemas.openxmlformats.org/markup-compatibility/2006">
+        <mc:Choice xmlns:p14="http://schemas.microsoft.com/office/powerpoint/2010/main" Requires="p14">
+          <p:contentPart p14:bwMode="auto" r:id="rId3">
+            <p14:nvContentPartPr>
+              <p14:cNvPr id="11" name="Ink 10">
+                <a:extLst>
+                  <a:ext uri="{FF2B5EF4-FFF2-40B4-BE49-F238E27FC236}">
+                    <a16:creationId xmlns:a16="http://schemas.microsoft.com/office/drawing/2014/main" id="{24D29CCB-7956-4E3E-8880-304085F04BF4}"/>
+                  </a:ext>
+                  <a:ext uri="{C183D7F6-B498-43B3-948B-1728B52AA6E4}">
+                    <adec:decorative xmlns:adec="http://schemas.microsoft.com/office/drawing/2017/decorative" val="1"/>
+                  </a:ext>
+                </a:extLst>
+              </p14:cNvPr>
+              <p14:cNvContentPartPr>
+                <a14:cpLocks xmlns:a14="http://schemas.microsoft.com/office/drawing/2010/main" noGrp="1" noRot="1" noChangeAspect="1" noMove="1" noResize="1" noEditPoints="1" noAdjustHandles="1" noChangeArrowheads="1" noChangeShapeType="1"/>
+              </p14:cNvContentPartPr>
+              <p14:nvPr>
+                <p:extLst>
+                  <p:ext uri="{386F3935-93C4-4BCD-93E2-E3B085C9AB24}">
+                    <p16:designElem xmlns:p16="http://schemas.microsoft.com/office/powerpoint/2015/main" val="1"/>
+                  </p:ext>
+                </p:extLst>
+              </p14:nvPr>
+            </p14:nvContentPartPr>
+            <p14:xfrm>
+              <a:off x="12490710" y="6342652"/>
+              <a:ext cx="360" cy="360"/>
+            </p14:xfrm>
+          </p:contentPart>
+        </mc:Choice>
+        <mc:Fallback>
+          <p:pic>
+            <p:nvPicPr>
+              <p:cNvPr id="11" name="Ink 10">
+                <a:extLst>
+                  <a:ext uri="{FF2B5EF4-FFF2-40B4-BE49-F238E27FC236}">
+                    <a16:creationId xmlns:a16="http://schemas.microsoft.com/office/drawing/2014/main" id="{24D29CCB-7956-4E3E-8880-304085F04BF4}"/>
+                  </a:ext>
+                  <a:ext uri="{C183D7F6-B498-43B3-948B-1728B52AA6E4}">
+                    <adec:decorative xmlns:adec="http://schemas.microsoft.com/office/drawing/2017/decorative" val="1"/>
+                  </a:ext>
+                </a:extLst>
+              </p:cNvPr>
+              <p:cNvPicPr>
+                <a:picLocks noGrp="1" noRot="1" noChangeAspect="1" noMove="1" noResize="1" noEditPoints="1" noAdjustHandles="1" noChangeArrowheads="1" noChangeShapeType="1"/>
+              </p:cNvPicPr>
+              <p:nvPr/>
+            </p:nvPicPr>
+            <p:blipFill>
+              <a:blip r:embed="rId4"/>
+              <a:stretch>
+                <a:fillRect/>
+              </a:stretch>
+            </p:blipFill>
+            <p:spPr>
+              <a:xfrm>
+                <a:off x="12481710" y="6333652"/>
+                <a:ext cx="18000" cy="18000"/>
+              </a:xfrm>
+              <a:prstGeom prst="rect">
+                <a:avLst/>
+              </a:prstGeom>
+            </p:spPr>
+          </p:pic>
+        </mc:Fallback>
+      </mc:AlternateContent>
+      <p:sp useBgFill="1">
+        <p:nvSpPr>
+          <p:cNvPr id="13" name="Rectangle 12">
+            <a:extLst>
+              <a:ext uri="{FF2B5EF4-FFF2-40B4-BE49-F238E27FC236}">
+                <a16:creationId xmlns:a16="http://schemas.microsoft.com/office/drawing/2014/main" id="{0E91F5CA-B392-444C-88E3-BF5BAAEBDEB0}"/>
+              </a:ext>
+              <a:ext uri="{C183D7F6-B498-43B3-948B-1728B52AA6E4}">
+                <adec:decorative xmlns:adec="http://schemas.microsoft.com/office/drawing/2017/decorative" val="1"/>
+              </a:ext>
+            </a:extLst>
+          </p:cNvPr>
+          <p:cNvSpPr>
+            <a:spLocks noGrp="1" noRot="1" noChangeAspect="1" noMove="1" noResize="1" noEditPoints="1" noAdjustHandles="1" noChangeArrowheads="1" noChangeShapeType="1" noTextEdit="1"/>
+          </p:cNvSpPr>
+          <p:nvPr>
+            <p:extLst>
+              <p:ext uri="{386F3935-93C4-4BCD-93E2-E3B085C9AB24}">
+                <p16:designElem xmlns:p16="http://schemas.microsoft.com/office/powerpoint/2015/main" val="1"/>
+              </p:ext>
+            </p:extLst>
+          </p:nvPr>
+        </p:nvSpPr>
+        <p:spPr>
+          <a:xfrm>
+            <a:off x="0" y="0"/>
+            <a:ext cx="12192000" cy="6858000"/>
+          </a:xfrm>
+          <a:prstGeom prst="rect">
+            <a:avLst/>
+          </a:prstGeom>
+          <a:ln w="12700" cap="flat" cmpd="sng" algn="ctr">
+            <a:noFill/>
+            <a:prstDash val="solid"/>
+            <a:miter lim="800000"/>
+          </a:ln>
+          <a:effectLst/>
+          <a:extLst>
+            <a:ext uri="{91240B29-F687-4F45-9708-019B960494DF}">
+              <a14:hiddenLine xmlns:a14="http://schemas.microsoft.com/office/drawing/2010/main" w="12700" cap="flat" cmpd="sng" algn="ctr">
+                <a:solidFill>
+                  <a:schemeClr val="accent1">
+                    <a:shade val="50000"/>
+                  </a:schemeClr>
+                </a:solidFill>
+                <a:prstDash val="solid"/>
+                <a:miter lim="800000"/>
+              </a14:hiddenLine>
+            </a:ext>
+          </a:extLst>
+        </p:spPr>
+        <p:style>
+          <a:lnRef idx="2">
+            <a:schemeClr val="accent1">
+              <a:shade val="50000"/>
+            </a:schemeClr>
+          </a:lnRef>
+          <a:fillRef idx="1">
+            <a:schemeClr val="accent1"/>
+          </a:fillRef>
+          <a:effectRef idx="0">
+            <a:schemeClr val="accent1"/>
+          </a:effectRef>
+          <a:fontRef idx="minor">
+            <a:schemeClr val="lt1"/>
+          </a:fontRef>
+        </p:style>
+        <p:txBody>
+          <a:bodyPr rtlCol="0" anchor="ctr"/>
+          <a:lstStyle/>
+          <a:p>
+            <a:pPr algn="ctr"/>
+            <a:endParaRPr lang="en-US"/>
+          </a:p>
+        </p:txBody>
+      </p:sp>
+      <p:pic>
+        <p:nvPicPr>
+          <p:cNvPr id="5" name="Picture 4" descr="3D black question marks with one yellow question mark">
+            <a:extLst>
+              <a:ext uri="{FF2B5EF4-FFF2-40B4-BE49-F238E27FC236}">
+                <a16:creationId xmlns:a16="http://schemas.microsoft.com/office/drawing/2014/main" id="{826D0780-08CC-9593-3152-23EEFC6290E9}"/>
+              </a:ext>
+            </a:extLst>
+          </p:cNvPr>
+          <p:cNvPicPr>
+            <a:picLocks noChangeAspect="1"/>
+          </p:cNvPicPr>
+          <p:nvPr/>
+        </p:nvPicPr>
+        <p:blipFill rotWithShape="1">
+          <a:blip r:embed="rId5"/>
+          <a:srcRect l="28990" r="6122" b="1"/>
+          <a:stretch/>
+        </p:blipFill>
+        <p:spPr>
+          <a:xfrm>
+            <a:off x="20" y="1"/>
+            <a:ext cx="12191979" cy="6857999"/>
+          </a:xfrm>
+          <a:prstGeom prst="rect">
+            <a:avLst/>
+          </a:prstGeom>
+        </p:spPr>
+      </p:pic>
+      <p:sp>
+        <p:nvSpPr>
+          <p:cNvPr id="15" name="Rectangle 14">
+            <a:extLst>
+              <a:ext uri="{FF2B5EF4-FFF2-40B4-BE49-F238E27FC236}">
+                <a16:creationId xmlns:a16="http://schemas.microsoft.com/office/drawing/2014/main" id="{63F3677B-A97D-4CAD-A971-B22755F563EC}"/>
+              </a:ext>
+              <a:ext uri="{C183D7F6-B498-43B3-948B-1728B52AA6E4}">
+                <adec:decorative xmlns:adec="http://schemas.microsoft.com/office/drawing/2017/decorative" val="1"/>
+              </a:ext>
+            </a:extLst>
+          </p:cNvPr>
+          <p:cNvSpPr>
+            <a:spLocks noGrp="1" noRot="1" noChangeAspect="1" noMove="1" noResize="1" noEditPoints="1" noAdjustHandles="1" noChangeArrowheads="1" noChangeShapeType="1" noTextEdit="1"/>
+          </p:cNvSpPr>
+          <p:nvPr>
+            <p:extLst>
+              <p:ext uri="{386F3935-93C4-4BCD-93E2-E3B085C9AB24}">
+                <p16:designElem xmlns:p16="http://schemas.microsoft.com/office/powerpoint/2015/main" val="1"/>
+              </p:ext>
+            </p:extLst>
+          </p:nvPr>
+        </p:nvSpPr>
+        <p:spPr>
+          <a:xfrm rot="10800000">
+            <a:off x="0" y="-1"/>
+            <a:ext cx="12192000" cy="4516342"/>
+          </a:xfrm>
+          <a:prstGeom prst="rect">
+            <a:avLst/>
+          </a:prstGeom>
+          <a:gradFill>
+            <a:gsLst>
+              <a:gs pos="47000">
+                <a:srgbClr val="000000">
+                  <a:alpha val="22000"/>
+                </a:srgbClr>
+              </a:gs>
+              <a:gs pos="0">
+                <a:srgbClr val="000000">
+                  <a:alpha val="0"/>
+                </a:srgbClr>
+              </a:gs>
+              <a:gs pos="100000">
+                <a:srgbClr val="000000">
+                  <a:alpha val="43000"/>
+                </a:srgbClr>
+              </a:gs>
+            </a:gsLst>
+            <a:lin ang="5400000" scaled="1"/>
+          </a:gradFill>
+          <a:ln>
+            <a:noFill/>
+          </a:ln>
+        </p:spPr>
+        <p:style>
+          <a:lnRef idx="2">
+            <a:schemeClr val="accent1">
+              <a:shade val="50000"/>
+            </a:schemeClr>
+          </a:lnRef>
+          <a:fillRef idx="1">
+            <a:schemeClr val="accent1"/>
+          </a:fillRef>
+          <a:effectRef idx="0">
+            <a:schemeClr val="accent1"/>
+          </a:effectRef>
+          <a:fontRef idx="minor">
+            <a:schemeClr val="lt1"/>
+          </a:fontRef>
+        </p:style>
+        <p:txBody>
+          <a:bodyPr rtlCol="0" anchor="ctr"/>
+          <a:lstStyle/>
+          <a:p>
+            <a:pPr algn="ctr"/>
+            <a:endParaRPr lang="en-US"/>
+          </a:p>
+        </p:txBody>
+      </p:sp>
+      <p:sp>
+        <p:nvSpPr>
+          <p:cNvPr id="2" name="Title 1">
+            <a:extLst>
+              <a:ext uri="{FF2B5EF4-FFF2-40B4-BE49-F238E27FC236}">
+                <a16:creationId xmlns:a16="http://schemas.microsoft.com/office/drawing/2014/main" id="{D6EE3242-7546-4943-ACC3-A8C6E4A1739B}"/>
+              </a:ext>
+            </a:extLst>
+          </p:cNvPr>
+          <p:cNvSpPr>
+            <a:spLocks noGrp="1"/>
+          </p:cNvSpPr>
+          <p:nvPr>
+            <p:ph type="title"/>
+          </p:nvPr>
+        </p:nvSpPr>
+        <p:spPr>
+          <a:xfrm>
+            <a:off x="577123" y="477079"/>
+            <a:ext cx="8512448" cy="1384378"/>
+          </a:xfrm>
+        </p:spPr>
+        <p:txBody>
+          <a:bodyPr vert="horz" lIns="91440" tIns="45720" rIns="91440" bIns="45720" rtlCol="0" anchor="b">
+            <a:normAutofit/>
+          </a:bodyPr>
+          <a:lstStyle/>
+          <a:p>
+            <a:r>
+              <a:rPr lang="en-US">
+                <a:solidFill>
+                  <a:srgbClr val="FFFFFF"/>
+                </a:solidFill>
+              </a:rPr>
+              <a:t>Questions</a:t>
+            </a:r>
+          </a:p>
+        </p:txBody>
+      </p:sp>
+    </p:spTree>
+    <p:extLst>
+      <p:ext uri="{BB962C8B-B14F-4D97-AF65-F5344CB8AC3E}">
+        <p14:creationId xmlns:p14="http://schemas.microsoft.com/office/powerpoint/2010/main" val="3534775661"/>
+      </p:ext>
+    </p:extLst>
+  </p:cSld>
+  <p:clrMapOvr>
+    <a:masterClrMapping/>
+  </p:clrMapOvr>
+</p:sld>
+</file>
+
 <file path=ppt/slides/slide2.xml><?xml version="1.0" encoding="utf-8"?>
 <p:sld xmlns:a="http://schemas.openxmlformats.org/drawingml/2006/main" xmlns:r="http://schemas.openxmlformats.org/officeDocument/2006/relationships" xmlns:p="http://schemas.openxmlformats.org/presentationml/2006/main">
   <p:cSld>
@@ -20108,7 +21266,7 @@
         </p:spPr>
         <p:txBody>
           <a:bodyPr>
-            <a:normAutofit/>
+            <a:normAutofit fontScale="92500"/>
           </a:bodyPr>
           <a:lstStyle/>
           <a:p>
@@ -20183,6 +21341,77 @@
             </a:r>
           </a:p>
           <a:p>
+            <a:pPr lvl="1">
+              <a:lnSpc>
+                <a:spcPct val="90000"/>
+              </a:lnSpc>
+            </a:pPr>
+            <a:r>
+              <a:rPr lang="en-US" sz="1500" dirty="0"/>
+              <a:t>Classes</a:t>
+            </a:r>
+          </a:p>
+          <a:p>
+            <a:pPr marL="560070" lvl="1" indent="-285750">
+              <a:lnSpc>
+                <a:spcPct val="90000"/>
+              </a:lnSpc>
+              <a:buFont typeface="Arial" panose="020B0604020202020204" pitchFamily="34" charset="0"/>
+              <a:buChar char="•"/>
+            </a:pPr>
+            <a:r>
+              <a:rPr lang="en-US" sz="1500" dirty="0"/>
+              <a:t>8 Classes</a:t>
+            </a:r>
+          </a:p>
+          <a:p>
+            <a:pPr marL="560070" lvl="1" indent="-285750">
+              <a:lnSpc>
+                <a:spcPct val="90000"/>
+              </a:lnSpc>
+              <a:buFont typeface="Arial" panose="020B0604020202020204" pitchFamily="34" charset="0"/>
+              <a:buChar char="•"/>
+            </a:pPr>
+            <a:r>
+              <a:rPr lang="en-US" sz="1500" dirty="0"/>
+              <a:t>7 Classes</a:t>
+            </a:r>
+          </a:p>
+          <a:p>
+            <a:pPr marL="560070" lvl="1" indent="-285750">
+              <a:lnSpc>
+                <a:spcPct val="90000"/>
+              </a:lnSpc>
+              <a:buFont typeface="Arial" panose="020B0604020202020204" pitchFamily="34" charset="0"/>
+              <a:buChar char="•"/>
+            </a:pPr>
+            <a:r>
+              <a:rPr lang="en-US" sz="1500" dirty="0"/>
+              <a:t>6 Classes</a:t>
+            </a:r>
+          </a:p>
+          <a:p>
+            <a:pPr marL="560070" lvl="1" indent="-285750">
+              <a:lnSpc>
+                <a:spcPct val="90000"/>
+              </a:lnSpc>
+              <a:buFont typeface="Arial" panose="020B0604020202020204" pitchFamily="34" charset="0"/>
+              <a:buChar char="•"/>
+            </a:pPr>
+            <a:r>
+              <a:rPr lang="en-US" sz="1500" dirty="0"/>
+              <a:t>3 Classes –</a:t>
+            </a:r>
+            <a:r>
+              <a:rPr lang="en-US" sz="1500" dirty="0">
+                <a:solidFill>
+                  <a:srgbClr val="FF0000"/>
+                </a:solidFill>
+              </a:rPr>
+              <a:t>BEST MODEL</a:t>
+            </a:r>
+          </a:p>
+          <a:p>
             <a:pPr>
               <a:lnSpc>
                 <a:spcPct val="90000"/>
@@ -20227,7 +21456,7 @@
           <p:cNvPr id="2" name="Title 1">
             <a:extLst>
               <a:ext uri="{FF2B5EF4-FFF2-40B4-BE49-F238E27FC236}">
-                <a16:creationId xmlns:a16="http://schemas.microsoft.com/office/drawing/2014/main" id="{DA6F9D42-8291-3E49-A3E2-731D5CE598DB}"/>
+                <a16:creationId xmlns:a16="http://schemas.microsoft.com/office/drawing/2014/main" id="{642A2A2A-4E8D-3E45-BFE3-277DB3B5E47A}"/>
               </a:ext>
             </a:extLst>
           </p:cNvPr>
@@ -20245,40 +21474,75 @@
           <a:p>
             <a:r>
               <a:rPr lang="en-US" dirty="0"/>
-              <a:t>Model Prediction</a:t>
+              <a:t>Model Analysis</a:t>
             </a:r>
           </a:p>
         </p:txBody>
       </p:sp>
-      <p:sp>
-        <p:nvSpPr>
-          <p:cNvPr id="3" name="Content Placeholder 2">
+      <p:pic>
+        <p:nvPicPr>
+          <p:cNvPr id="4" name="Content Placeholder 4" descr="Treemap chart&#10;&#10;Description automatically generated with medium confidence">
             <a:extLst>
               <a:ext uri="{FF2B5EF4-FFF2-40B4-BE49-F238E27FC236}">
-                <a16:creationId xmlns:a16="http://schemas.microsoft.com/office/drawing/2014/main" id="{1D9553EB-E283-1446-ADE4-8249D10B2DA3}"/>
+                <a16:creationId xmlns:a16="http://schemas.microsoft.com/office/drawing/2014/main" id="{AE42F4A0-6E67-CC47-808F-054E1401182F}"/>
               </a:ext>
             </a:extLst>
           </p:cNvPr>
-          <p:cNvSpPr>
-            <a:spLocks noGrp="1"/>
-          </p:cNvSpPr>
-          <p:nvPr>
-            <p:ph idx="1"/>
-          </p:nvPr>
-        </p:nvSpPr>
-        <p:spPr/>
-        <p:txBody>
-          <a:bodyPr/>
-          <a:lstStyle/>
-          <a:p>
-            <a:endParaRPr lang="en-US"/>
-          </a:p>
-        </p:txBody>
-      </p:sp>
+          <p:cNvPicPr>
+            <a:picLocks noChangeAspect="1"/>
+          </p:cNvPicPr>
+          <p:nvPr/>
+        </p:nvPicPr>
+        <p:blipFill>
+          <a:blip r:embed="rId2"/>
+          <a:stretch>
+            <a:fillRect/>
+          </a:stretch>
+        </p:blipFill>
+        <p:spPr>
+          <a:xfrm>
+            <a:off x="655477" y="2293154"/>
+            <a:ext cx="4925667" cy="3689772"/>
+          </a:xfrm>
+          <a:prstGeom prst="rect">
+            <a:avLst/>
+          </a:prstGeom>
+        </p:spPr>
+      </p:pic>
+      <p:pic>
+        <p:nvPicPr>
+          <p:cNvPr id="5" name="Picture 4" descr="Table&#10;&#10;Description automatically generated">
+            <a:extLst>
+              <a:ext uri="{FF2B5EF4-FFF2-40B4-BE49-F238E27FC236}">
+                <a16:creationId xmlns:a16="http://schemas.microsoft.com/office/drawing/2014/main" id="{E2E0D3CA-8628-4147-A479-CBE636E29C35}"/>
+              </a:ext>
+            </a:extLst>
+          </p:cNvPr>
+          <p:cNvPicPr>
+            <a:picLocks noChangeAspect="1"/>
+          </p:cNvPicPr>
+          <p:nvPr/>
+        </p:nvPicPr>
+        <p:blipFill>
+          <a:blip r:embed="rId3"/>
+          <a:stretch>
+            <a:fillRect/>
+          </a:stretch>
+        </p:blipFill>
+        <p:spPr>
+          <a:xfrm>
+            <a:off x="6096000" y="3121774"/>
+            <a:ext cx="4925667" cy="1674725"/>
+          </a:xfrm>
+          <a:prstGeom prst="rect">
+            <a:avLst/>
+          </a:prstGeom>
+        </p:spPr>
+      </p:pic>
     </p:spTree>
     <p:extLst>
       <p:ext uri="{BB962C8B-B14F-4D97-AF65-F5344CB8AC3E}">
-        <p14:creationId xmlns:p14="http://schemas.microsoft.com/office/powerpoint/2010/main" val="3218059773"/>
+        <p14:creationId xmlns:p14="http://schemas.microsoft.com/office/powerpoint/2010/main" val="467774831"/>
       </p:ext>
     </p:extLst>
   </p:cSld>
